--- a/TI/T-TER_Defeating A2 Trojans with Targeted Tamper-Evident Routing/T-TER.pptx
+++ b/TI/T-TER_Defeating A2 Trojans with Targeted Tamper-Evident Routing/T-TER.pptx
@@ -7,20 +7,22 @@
   <p:sldIdLst>
     <p:sldId id="256" r:id="rId2"/>
     <p:sldId id="259" r:id="rId3"/>
-    <p:sldId id="257" r:id="rId4"/>
-    <p:sldId id="258" r:id="rId5"/>
-    <p:sldId id="260" r:id="rId6"/>
-    <p:sldId id="261" r:id="rId7"/>
-    <p:sldId id="262" r:id="rId8"/>
-    <p:sldId id="263" r:id="rId9"/>
-    <p:sldId id="264" r:id="rId10"/>
-    <p:sldId id="265" r:id="rId11"/>
-    <p:sldId id="266" r:id="rId12"/>
-    <p:sldId id="267" r:id="rId13"/>
-    <p:sldId id="268" r:id="rId14"/>
-    <p:sldId id="269" r:id="rId15"/>
-    <p:sldId id="270" r:id="rId16"/>
-    <p:sldId id="271" r:id="rId17"/>
+    <p:sldId id="272" r:id="rId4"/>
+    <p:sldId id="257" r:id="rId5"/>
+    <p:sldId id="273" r:id="rId6"/>
+    <p:sldId id="258" r:id="rId7"/>
+    <p:sldId id="260" r:id="rId8"/>
+    <p:sldId id="261" r:id="rId9"/>
+    <p:sldId id="262" r:id="rId10"/>
+    <p:sldId id="263" r:id="rId11"/>
+    <p:sldId id="264" r:id="rId12"/>
+    <p:sldId id="265" r:id="rId13"/>
+    <p:sldId id="266" r:id="rId14"/>
+    <p:sldId id="267" r:id="rId15"/>
+    <p:sldId id="268" r:id="rId16"/>
+    <p:sldId id="269" r:id="rId17"/>
+    <p:sldId id="270" r:id="rId18"/>
+    <p:sldId id="271" r:id="rId19"/>
   </p:sldIdLst>
   <p:sldSz cx="12192000" cy="6858000"/>
   <p:notesSz cx="6858000" cy="9144000"/>
@@ -119,6 +121,11 @@
       </a:defRPr>
     </a:lvl9pPr>
   </p:defaultTextStyle>
+  <p:extLst>
+    <p:ext uri="{EFAFB233-063F-42B5-8137-9DF3F51BA10A}">
+      <p15:sldGuideLst xmlns:p15="http://schemas.microsoft.com/office/powerpoint/2012/main"/>
+    </p:ext>
+  </p:extLst>
 </p:presentation>
 </file>
 
@@ -3872,6 +3879,294 @@
           <p:cNvPr id="2" name="標題 1">
             <a:extLst>
               <a:ext uri="{FF2B5EF4-FFF2-40B4-BE49-F238E27FC236}">
+                <a16:creationId xmlns:a16="http://schemas.microsoft.com/office/drawing/2014/main" id="{BB875546-5021-18F9-5C4B-7A77006FF4F9}"/>
+              </a:ext>
+            </a:extLst>
+          </p:cNvPr>
+          <p:cNvSpPr>
+            <a:spLocks noGrp="1"/>
+          </p:cNvSpPr>
+          <p:nvPr>
+            <p:ph type="title"/>
+          </p:nvPr>
+        </p:nvSpPr>
+        <p:spPr/>
+        <p:txBody>
+          <a:bodyPr/>
+          <a:lstStyle/>
+          <a:p>
+            <a:r>
+              <a:rPr lang="en-US" altLang="zh-TW" dirty="0"/>
+              <a:t>Tamper-Evident Guard Wires</a:t>
+            </a:r>
+            <a:endParaRPr lang="zh-TW" altLang="en-US" dirty="0"/>
+          </a:p>
+        </p:txBody>
+      </p:sp>
+      <p:sp>
+        <p:nvSpPr>
+          <p:cNvPr id="3" name="內容版面配置區 2">
+            <a:extLst>
+              <a:ext uri="{FF2B5EF4-FFF2-40B4-BE49-F238E27FC236}">
+                <a16:creationId xmlns:a16="http://schemas.microsoft.com/office/drawing/2014/main" id="{4ACED94D-246F-CCA0-B116-BDC605727FBB}"/>
+              </a:ext>
+            </a:extLst>
+          </p:cNvPr>
+          <p:cNvSpPr>
+            <a:spLocks noGrp="1"/>
+          </p:cNvSpPr>
+          <p:nvPr>
+            <p:ph idx="1"/>
+          </p:nvPr>
+        </p:nvSpPr>
+        <p:spPr/>
+        <p:txBody>
+          <a:bodyPr/>
+          <a:lstStyle/>
+          <a:p>
+            <a:pPr algn="l"/>
+            <a:r>
+              <a:rPr lang="en-US" altLang="zh-TW" b="0" i="0" dirty="0">
+                <a:solidFill>
+                  <a:srgbClr val="333333"/>
+                </a:solidFill>
+                <a:effectLst/>
+                <a:latin typeface="-apple-system"/>
+              </a:rPr>
+              <a:t>There are many ways can detect the tampering of the guard wires:</a:t>
+            </a:r>
+          </a:p>
+          <a:p>
+            <a:pPr algn="l"/>
+            <a:endParaRPr lang="en-US" altLang="zh-TW" dirty="0">
+              <a:solidFill>
+                <a:srgbClr val="333333"/>
+              </a:solidFill>
+              <a:latin typeface="-apple-system"/>
+            </a:endParaRPr>
+          </a:p>
+          <a:p>
+            <a:pPr algn="l"/>
+            <a:r>
+              <a:rPr lang="en-US" altLang="zh-TW" dirty="0">
+                <a:solidFill>
+                  <a:srgbClr val="333333"/>
+                </a:solidFill>
+                <a:latin typeface="-apple-system"/>
+              </a:rPr>
+              <a:t>O</a:t>
+            </a:r>
+            <a:r>
+              <a:rPr lang="en-US" altLang="zh-TW" b="0" i="0" dirty="0">
+                <a:solidFill>
+                  <a:srgbClr val="333333"/>
+                </a:solidFill>
+                <a:effectLst/>
+                <a:latin typeface="-apple-system"/>
+              </a:rPr>
+              <a:t>n-chip:</a:t>
+            </a:r>
+          </a:p>
+          <a:p>
+            <a:pPr marL="914400" lvl="1" indent="-457200">
+              <a:buFont typeface="+mj-lt"/>
+              <a:buAutoNum type="arabicPeriod"/>
+            </a:pPr>
+            <a:r>
+              <a:rPr lang="en-US" altLang="zh-TW" b="0" i="0" dirty="0">
+                <a:solidFill>
+                  <a:srgbClr val="333333"/>
+                </a:solidFill>
+                <a:effectLst/>
+                <a:latin typeface="-apple-system"/>
+              </a:rPr>
+              <a:t>Internal sensor</a:t>
+            </a:r>
+          </a:p>
+          <a:p>
+            <a:pPr marL="914400" lvl="1" indent="-457200">
+              <a:buFont typeface="+mj-lt"/>
+              <a:buAutoNum type="arabicPeriod"/>
+            </a:pPr>
+            <a:r>
+              <a:rPr lang="en-US" altLang="zh-TW" dirty="0">
+                <a:solidFill>
+                  <a:srgbClr val="333333"/>
+                </a:solidFill>
+                <a:latin typeface="-apple-system"/>
+              </a:rPr>
+              <a:t>R</a:t>
+            </a:r>
+            <a:r>
+              <a:rPr lang="en-US" altLang="zh-TW" b="0" i="0">
+                <a:solidFill>
+                  <a:srgbClr val="333333"/>
+                </a:solidFill>
+                <a:effectLst/>
+                <a:latin typeface="-apple-system"/>
+              </a:rPr>
+              <a:t>ing </a:t>
+            </a:r>
+            <a:r>
+              <a:rPr lang="en-US" altLang="zh-TW" b="0" i="0" dirty="0">
+                <a:solidFill>
+                  <a:srgbClr val="333333"/>
+                </a:solidFill>
+                <a:effectLst/>
+                <a:latin typeface="-apple-system"/>
+              </a:rPr>
+              <a:t>oscillator</a:t>
+            </a:r>
+          </a:p>
+          <a:p>
+            <a:pPr marL="457200" lvl="1" indent="0">
+              <a:buNone/>
+            </a:pPr>
+            <a:br>
+              <a:rPr lang="en-US" altLang="zh-TW" b="0" i="0" dirty="0">
+                <a:solidFill>
+                  <a:srgbClr val="333333"/>
+                </a:solidFill>
+                <a:effectLst/>
+                <a:latin typeface="-apple-system"/>
+              </a:rPr>
+            </a:br>
+            <a:r>
+              <a:rPr lang="en-US" altLang="zh-TW" dirty="0">
+                <a:solidFill>
+                  <a:srgbClr val="333333"/>
+                </a:solidFill>
+                <a:latin typeface="-apple-system"/>
+              </a:rPr>
+              <a:t>	</a:t>
+            </a:r>
+            <a:endParaRPr lang="zh-TW" altLang="en-US" dirty="0"/>
+          </a:p>
+        </p:txBody>
+      </p:sp>
+    </p:spTree>
+    <p:extLst>
+      <p:ext uri="{BB962C8B-B14F-4D97-AF65-F5344CB8AC3E}">
+        <p14:creationId xmlns:p14="http://schemas.microsoft.com/office/powerpoint/2010/main" val="2722466547"/>
+      </p:ext>
+    </p:extLst>
+  </p:cSld>
+  <p:clrMapOvr>
+    <a:masterClrMapping/>
+  </p:clrMapOvr>
+</p:sld>
+</file>
+
+<file path=ppt/slides/slide11.xml><?xml version="1.0" encoding="utf-8"?>
+<p:sld xmlns:a="http://schemas.openxmlformats.org/drawingml/2006/main" xmlns:r="http://schemas.openxmlformats.org/officeDocument/2006/relationships" xmlns:p="http://schemas.openxmlformats.org/presentationml/2006/main">
+  <p:cSld>
+    <p:spTree>
+      <p:nvGrpSpPr>
+        <p:cNvPr id="1" name=""/>
+        <p:cNvGrpSpPr/>
+        <p:nvPr/>
+      </p:nvGrpSpPr>
+      <p:grpSpPr>
+        <a:xfrm>
+          <a:off x="0" y="0"/>
+          <a:ext cx="0" cy="0"/>
+          <a:chOff x="0" y="0"/>
+          <a:chExt cx="0" cy="0"/>
+        </a:xfrm>
+      </p:grpSpPr>
+      <p:sp>
+        <p:nvSpPr>
+          <p:cNvPr id="2" name="標題 1">
+            <a:extLst>
+              <a:ext uri="{FF2B5EF4-FFF2-40B4-BE49-F238E27FC236}">
+                <a16:creationId xmlns:a16="http://schemas.microsoft.com/office/drawing/2014/main" id="{E3AAB54A-65E7-FC98-FA06-73130B08645B}"/>
+              </a:ext>
+            </a:extLst>
+          </p:cNvPr>
+          <p:cNvSpPr>
+            <a:spLocks noGrp="1"/>
+          </p:cNvSpPr>
+          <p:nvPr>
+            <p:ph type="title"/>
+          </p:nvPr>
+        </p:nvSpPr>
+        <p:spPr/>
+        <p:txBody>
+          <a:bodyPr/>
+          <a:lstStyle/>
+          <a:p>
+            <a:r>
+              <a:rPr lang="en-US" altLang="zh-TW" dirty="0"/>
+              <a:t>Implementation</a:t>
+            </a:r>
+            <a:endParaRPr lang="zh-TW" altLang="en-US" dirty="0"/>
+          </a:p>
+        </p:txBody>
+      </p:sp>
+      <p:pic>
+        <p:nvPicPr>
+          <p:cNvPr id="5" name="內容版面配置區 4">
+            <a:extLst>
+              <a:ext uri="{FF2B5EF4-FFF2-40B4-BE49-F238E27FC236}">
+                <a16:creationId xmlns:a16="http://schemas.microsoft.com/office/drawing/2014/main" id="{6BB26E18-703F-E20C-5B78-7900C3B4B6A0}"/>
+              </a:ext>
+            </a:extLst>
+          </p:cNvPr>
+          <p:cNvPicPr>
+            <a:picLocks noGrp="1" noChangeAspect="1"/>
+          </p:cNvPicPr>
+          <p:nvPr>
+            <p:ph idx="1"/>
+          </p:nvPr>
+        </p:nvPicPr>
+        <p:blipFill>
+          <a:blip r:embed="rId2"/>
+          <a:stretch>
+            <a:fillRect/>
+          </a:stretch>
+        </p:blipFill>
+        <p:spPr>
+          <a:xfrm>
+            <a:off x="2353192" y="2039974"/>
+            <a:ext cx="7485616" cy="3512087"/>
+          </a:xfrm>
+        </p:spPr>
+      </p:pic>
+    </p:spTree>
+    <p:extLst>
+      <p:ext uri="{BB962C8B-B14F-4D97-AF65-F5344CB8AC3E}">
+        <p14:creationId xmlns:p14="http://schemas.microsoft.com/office/powerpoint/2010/main" val="2423770389"/>
+      </p:ext>
+    </p:extLst>
+  </p:cSld>
+  <p:clrMapOvr>
+    <a:masterClrMapping/>
+  </p:clrMapOvr>
+</p:sld>
+</file>
+
+<file path=ppt/slides/slide12.xml><?xml version="1.0" encoding="utf-8"?>
+<p:sld xmlns:a="http://schemas.openxmlformats.org/drawingml/2006/main" xmlns:r="http://schemas.openxmlformats.org/officeDocument/2006/relationships" xmlns:p="http://schemas.openxmlformats.org/presentationml/2006/main">
+  <p:cSld>
+    <p:spTree>
+      <p:nvGrpSpPr>
+        <p:cNvPr id="1" name=""/>
+        <p:cNvGrpSpPr/>
+        <p:nvPr/>
+      </p:nvGrpSpPr>
+      <p:grpSpPr>
+        <a:xfrm>
+          <a:off x="0" y="0"/>
+          <a:ext cx="0" cy="0"/>
+          <a:chOff x="0" y="0"/>
+          <a:chExt cx="0" cy="0"/>
+        </a:xfrm>
+      </p:grpSpPr>
+      <p:sp>
+        <p:nvSpPr>
+          <p:cNvPr id="2" name="標題 1">
+            <a:extLst>
+              <a:ext uri="{FF2B5EF4-FFF2-40B4-BE49-F238E27FC236}">
                 <a16:creationId xmlns:a16="http://schemas.microsoft.com/office/drawing/2014/main" id="{FC8D76C3-143E-5C31-2A33-B60D7FA8E90B}"/>
               </a:ext>
             </a:extLst>
@@ -4017,7 +4312,7 @@
 </p:sld>
 </file>
 
-<file path=ppt/slides/slide11.xml><?xml version="1.0" encoding="utf-8"?>
+<file path=ppt/slides/slide13.xml><?xml version="1.0" encoding="utf-8"?>
 <p:sld xmlns:a="http://schemas.openxmlformats.org/drawingml/2006/main" xmlns:r="http://schemas.openxmlformats.org/officeDocument/2006/relationships" xmlns:p="http://schemas.openxmlformats.org/presentationml/2006/main">
   <p:cSld>
     <p:spTree>
@@ -4178,243 +4473,6 @@
 </p:sld>
 </file>
 
-<file path=ppt/slides/slide12.xml><?xml version="1.0" encoding="utf-8"?>
-<p:sld xmlns:a="http://schemas.openxmlformats.org/drawingml/2006/main" xmlns:r="http://schemas.openxmlformats.org/officeDocument/2006/relationships" xmlns:p="http://schemas.openxmlformats.org/presentationml/2006/main">
-  <p:cSld>
-    <p:spTree>
-      <p:nvGrpSpPr>
-        <p:cNvPr id="1" name=""/>
-        <p:cNvGrpSpPr/>
-        <p:nvPr/>
-      </p:nvGrpSpPr>
-      <p:grpSpPr>
-        <a:xfrm>
-          <a:off x="0" y="0"/>
-          <a:ext cx="0" cy="0"/>
-          <a:chOff x="0" y="0"/>
-          <a:chExt cx="0" cy="0"/>
-        </a:xfrm>
-      </p:grpSpPr>
-      <p:sp>
-        <p:nvSpPr>
-          <p:cNvPr id="2" name="標題 1">
-            <a:extLst>
-              <a:ext uri="{FF2B5EF4-FFF2-40B4-BE49-F238E27FC236}">
-                <a16:creationId xmlns:a16="http://schemas.microsoft.com/office/drawing/2014/main" id="{8518BE55-F8AE-98A8-0908-7D6DE56C32A9}"/>
-              </a:ext>
-            </a:extLst>
-          </p:cNvPr>
-          <p:cNvSpPr>
-            <a:spLocks noGrp="1"/>
-          </p:cNvSpPr>
-          <p:nvPr>
-            <p:ph type="title"/>
-          </p:nvPr>
-        </p:nvSpPr>
-        <p:spPr/>
-        <p:txBody>
-          <a:bodyPr/>
-          <a:lstStyle/>
-          <a:p>
-            <a:r>
-              <a:rPr lang="en-US" altLang="zh-TW" dirty="0"/>
-              <a:t> 1. Identify security-critical nets</a:t>
-            </a:r>
-            <a:endParaRPr lang="zh-TW" altLang="en-US" dirty="0"/>
-          </a:p>
-        </p:txBody>
-      </p:sp>
-      <p:sp>
-        <p:nvSpPr>
-          <p:cNvPr id="3" name="內容版面配置區 2">
-            <a:extLst>
-              <a:ext uri="{FF2B5EF4-FFF2-40B4-BE49-F238E27FC236}">
-                <a16:creationId xmlns:a16="http://schemas.microsoft.com/office/drawing/2014/main" id="{35205E5A-0852-3FDF-C3D0-CE2BEF0EE000}"/>
-              </a:ext>
-            </a:extLst>
-          </p:cNvPr>
-          <p:cNvSpPr>
-            <a:spLocks noGrp="1"/>
-          </p:cNvSpPr>
-          <p:nvPr>
-            <p:ph idx="1"/>
-          </p:nvPr>
-        </p:nvSpPr>
-        <p:spPr/>
-        <p:txBody>
-          <a:bodyPr>
-            <a:normAutofit/>
-          </a:bodyPr>
-          <a:lstStyle/>
-          <a:p>
-            <a:r>
-              <a:rPr lang="en-US" altLang="zh-TW" dirty="0"/>
-              <a:t>They assume that the security-critical nets (root net) are with prefix : </a:t>
-            </a:r>
-            <a:r>
-              <a:rPr lang="en-US" altLang="zh-TW" b="1" dirty="0"/>
-              <a:t>secure_</a:t>
-            </a:r>
-          </a:p>
-          <a:p>
-            <a:endParaRPr lang="en-US" altLang="zh-TW" sz="1200" b="1" dirty="0"/>
-          </a:p>
-          <a:p>
-            <a:r>
-              <a:rPr lang="en-US" altLang="zh-TW" dirty="0"/>
-              <a:t>The toolchain will later locate the direct fan-in of each root net (with configurable depth)</a:t>
-            </a:r>
-          </a:p>
-          <a:p>
-            <a:endParaRPr lang="en-US" altLang="zh-TW" sz="1400" dirty="0"/>
-          </a:p>
-          <a:p>
-            <a:r>
-              <a:rPr lang="en-US" altLang="zh-TW" dirty="0"/>
-              <a:t>It will also disable the optimization of all root nets</a:t>
-            </a:r>
-          </a:p>
-          <a:p>
-            <a:endParaRPr lang="en-US" altLang="zh-TW" sz="1400" dirty="0"/>
-          </a:p>
-          <a:p>
-            <a:r>
-              <a:rPr lang="en-US" altLang="zh-TW" dirty="0"/>
-              <a:t>Rather than target the root net, an adversary is more likely to elect to target the influencer of the root net (BFS)</a:t>
-            </a:r>
-          </a:p>
-          <a:p>
-            <a:endParaRPr lang="en-US" altLang="zh-TW" dirty="0"/>
-          </a:p>
-          <a:p>
-            <a:endParaRPr lang="en-US" altLang="zh-TW" dirty="0"/>
-          </a:p>
-        </p:txBody>
-      </p:sp>
-    </p:spTree>
-    <p:extLst>
-      <p:ext uri="{BB962C8B-B14F-4D97-AF65-F5344CB8AC3E}">
-        <p14:creationId xmlns:p14="http://schemas.microsoft.com/office/powerpoint/2010/main" val="498518345"/>
-      </p:ext>
-    </p:extLst>
-  </p:cSld>
-  <p:clrMapOvr>
-    <a:masterClrMapping/>
-  </p:clrMapOvr>
-</p:sld>
-</file>
-
-<file path=ppt/slides/slide13.xml><?xml version="1.0" encoding="utf-8"?>
-<p:sld xmlns:a="http://schemas.openxmlformats.org/drawingml/2006/main" xmlns:r="http://schemas.openxmlformats.org/officeDocument/2006/relationships" xmlns:p="http://schemas.openxmlformats.org/presentationml/2006/main">
-  <p:cSld>
-    <p:spTree>
-      <p:nvGrpSpPr>
-        <p:cNvPr id="1" name=""/>
-        <p:cNvGrpSpPr/>
-        <p:nvPr/>
-      </p:nvGrpSpPr>
-      <p:grpSpPr>
-        <a:xfrm>
-          <a:off x="0" y="0"/>
-          <a:ext cx="0" cy="0"/>
-          <a:chOff x="0" y="0"/>
-          <a:chExt cx="0" cy="0"/>
-        </a:xfrm>
-      </p:grpSpPr>
-      <p:sp>
-        <p:nvSpPr>
-          <p:cNvPr id="2" name="標題 1">
-            <a:extLst>
-              <a:ext uri="{FF2B5EF4-FFF2-40B4-BE49-F238E27FC236}">
-                <a16:creationId xmlns:a16="http://schemas.microsoft.com/office/drawing/2014/main" id="{16751141-3E21-6ECC-4259-9F90357C5611}"/>
-              </a:ext>
-            </a:extLst>
-          </p:cNvPr>
-          <p:cNvSpPr>
-            <a:spLocks noGrp="1"/>
-          </p:cNvSpPr>
-          <p:nvPr>
-            <p:ph type="title"/>
-          </p:nvPr>
-        </p:nvSpPr>
-        <p:spPr/>
-        <p:txBody>
-          <a:bodyPr/>
-          <a:lstStyle/>
-          <a:p>
-            <a:r>
-              <a:rPr lang="en-US" altLang="zh-TW" dirty="0"/>
-              <a:t>2. Identifying Unblocked Wire Surfaces</a:t>
-            </a:r>
-            <a:endParaRPr lang="zh-TW" altLang="en-US" dirty="0"/>
-          </a:p>
-        </p:txBody>
-      </p:sp>
-      <p:sp>
-        <p:nvSpPr>
-          <p:cNvPr id="3" name="內容版面配置區 2">
-            <a:extLst>
-              <a:ext uri="{FF2B5EF4-FFF2-40B4-BE49-F238E27FC236}">
-                <a16:creationId xmlns:a16="http://schemas.microsoft.com/office/drawing/2014/main" id="{DEF28087-A039-2122-E0E6-8A1E9C86BDE7}"/>
-              </a:ext>
-            </a:extLst>
-          </p:cNvPr>
-          <p:cNvSpPr>
-            <a:spLocks noGrp="1"/>
-          </p:cNvSpPr>
-          <p:nvPr>
-            <p:ph idx="1"/>
-          </p:nvPr>
-        </p:nvSpPr>
-        <p:spPr/>
-        <p:txBody>
-          <a:bodyPr/>
-          <a:lstStyle/>
-          <a:p>
-            <a:r>
-              <a:rPr lang="en-US" altLang="zh-TW" dirty="0"/>
-              <a:t>Use the method of 3-D scanning window approach</a:t>
-            </a:r>
-          </a:p>
-          <a:p>
-            <a:endParaRPr lang="en-US" altLang="zh-TW" dirty="0"/>
-          </a:p>
-          <a:p>
-            <a:r>
-              <a:rPr lang="en-US" altLang="zh-TW" dirty="0"/>
-              <a:t>If the there exists an region that meets the minimum spacing requirement, the region will be seen as unblocked</a:t>
-            </a:r>
-          </a:p>
-          <a:p>
-            <a:endParaRPr lang="en-US" altLang="zh-TW" dirty="0"/>
-          </a:p>
-          <a:p>
-            <a:r>
-              <a:rPr lang="en-US" altLang="zh-TW" dirty="0"/>
-              <a:t>The output of this approach is a list of coordinates that must be filled with guard wires</a:t>
-            </a:r>
-          </a:p>
-          <a:p>
-            <a:endParaRPr lang="en-US" altLang="zh-TW" dirty="0"/>
-          </a:p>
-          <a:p>
-            <a:endParaRPr lang="zh-TW" altLang="en-US" dirty="0"/>
-          </a:p>
-        </p:txBody>
-      </p:sp>
-    </p:spTree>
-    <p:extLst>
-      <p:ext uri="{BB962C8B-B14F-4D97-AF65-F5344CB8AC3E}">
-        <p14:creationId xmlns:p14="http://schemas.microsoft.com/office/powerpoint/2010/main" val="698820687"/>
-      </p:ext>
-    </p:extLst>
-  </p:cSld>
-  <p:clrMapOvr>
-    <a:masterClrMapping/>
-  </p:clrMapOvr>
-</p:sld>
-</file>
-
 <file path=ppt/slides/slide14.xml><?xml version="1.0" encoding="utf-8"?>
 <p:sld xmlns:a="http://schemas.openxmlformats.org/drawingml/2006/main" xmlns:r="http://schemas.openxmlformats.org/officeDocument/2006/relationships" xmlns:p="http://schemas.openxmlformats.org/presentationml/2006/main">
   <p:cSld>
@@ -4437,6 +4495,243 @@
           <p:cNvPr id="2" name="標題 1">
             <a:extLst>
               <a:ext uri="{FF2B5EF4-FFF2-40B4-BE49-F238E27FC236}">
+                <a16:creationId xmlns:a16="http://schemas.microsoft.com/office/drawing/2014/main" id="{8518BE55-F8AE-98A8-0908-7D6DE56C32A9}"/>
+              </a:ext>
+            </a:extLst>
+          </p:cNvPr>
+          <p:cNvSpPr>
+            <a:spLocks noGrp="1"/>
+          </p:cNvSpPr>
+          <p:nvPr>
+            <p:ph type="title"/>
+          </p:nvPr>
+        </p:nvSpPr>
+        <p:spPr/>
+        <p:txBody>
+          <a:bodyPr/>
+          <a:lstStyle/>
+          <a:p>
+            <a:r>
+              <a:rPr lang="en-US" altLang="zh-TW" dirty="0"/>
+              <a:t> 1. Identify security-critical nets</a:t>
+            </a:r>
+            <a:endParaRPr lang="zh-TW" altLang="en-US" dirty="0"/>
+          </a:p>
+        </p:txBody>
+      </p:sp>
+      <p:sp>
+        <p:nvSpPr>
+          <p:cNvPr id="3" name="內容版面配置區 2">
+            <a:extLst>
+              <a:ext uri="{FF2B5EF4-FFF2-40B4-BE49-F238E27FC236}">
+                <a16:creationId xmlns:a16="http://schemas.microsoft.com/office/drawing/2014/main" id="{35205E5A-0852-3FDF-C3D0-CE2BEF0EE000}"/>
+              </a:ext>
+            </a:extLst>
+          </p:cNvPr>
+          <p:cNvSpPr>
+            <a:spLocks noGrp="1"/>
+          </p:cNvSpPr>
+          <p:nvPr>
+            <p:ph idx="1"/>
+          </p:nvPr>
+        </p:nvSpPr>
+        <p:spPr/>
+        <p:txBody>
+          <a:bodyPr>
+            <a:normAutofit/>
+          </a:bodyPr>
+          <a:lstStyle/>
+          <a:p>
+            <a:r>
+              <a:rPr lang="en-US" altLang="zh-TW" dirty="0"/>
+              <a:t>They assume that the security-critical nets (root net) are with prefix : </a:t>
+            </a:r>
+            <a:r>
+              <a:rPr lang="en-US" altLang="zh-TW" b="1" dirty="0"/>
+              <a:t>secure_</a:t>
+            </a:r>
+          </a:p>
+          <a:p>
+            <a:endParaRPr lang="en-US" altLang="zh-TW" sz="1200" b="1" dirty="0"/>
+          </a:p>
+          <a:p>
+            <a:r>
+              <a:rPr lang="en-US" altLang="zh-TW" dirty="0"/>
+              <a:t>The toolchain will later locate the direct fan-in of each root net (with configurable depth)</a:t>
+            </a:r>
+          </a:p>
+          <a:p>
+            <a:endParaRPr lang="en-US" altLang="zh-TW" sz="1400" dirty="0"/>
+          </a:p>
+          <a:p>
+            <a:r>
+              <a:rPr lang="en-US" altLang="zh-TW" dirty="0"/>
+              <a:t>It will also disable the optimization of all root nets</a:t>
+            </a:r>
+          </a:p>
+          <a:p>
+            <a:endParaRPr lang="en-US" altLang="zh-TW" sz="1400" dirty="0"/>
+          </a:p>
+          <a:p>
+            <a:r>
+              <a:rPr lang="en-US" altLang="zh-TW" dirty="0"/>
+              <a:t>Rather than target the root net, an adversary is more likely to elect to target the influencer of the root net (BFS)</a:t>
+            </a:r>
+          </a:p>
+          <a:p>
+            <a:endParaRPr lang="en-US" altLang="zh-TW" dirty="0"/>
+          </a:p>
+          <a:p>
+            <a:endParaRPr lang="en-US" altLang="zh-TW" dirty="0"/>
+          </a:p>
+        </p:txBody>
+      </p:sp>
+    </p:spTree>
+    <p:extLst>
+      <p:ext uri="{BB962C8B-B14F-4D97-AF65-F5344CB8AC3E}">
+        <p14:creationId xmlns:p14="http://schemas.microsoft.com/office/powerpoint/2010/main" val="498518345"/>
+      </p:ext>
+    </p:extLst>
+  </p:cSld>
+  <p:clrMapOvr>
+    <a:masterClrMapping/>
+  </p:clrMapOvr>
+</p:sld>
+</file>
+
+<file path=ppt/slides/slide15.xml><?xml version="1.0" encoding="utf-8"?>
+<p:sld xmlns:a="http://schemas.openxmlformats.org/drawingml/2006/main" xmlns:r="http://schemas.openxmlformats.org/officeDocument/2006/relationships" xmlns:p="http://schemas.openxmlformats.org/presentationml/2006/main">
+  <p:cSld>
+    <p:spTree>
+      <p:nvGrpSpPr>
+        <p:cNvPr id="1" name=""/>
+        <p:cNvGrpSpPr/>
+        <p:nvPr/>
+      </p:nvGrpSpPr>
+      <p:grpSpPr>
+        <a:xfrm>
+          <a:off x="0" y="0"/>
+          <a:ext cx="0" cy="0"/>
+          <a:chOff x="0" y="0"/>
+          <a:chExt cx="0" cy="0"/>
+        </a:xfrm>
+      </p:grpSpPr>
+      <p:sp>
+        <p:nvSpPr>
+          <p:cNvPr id="2" name="標題 1">
+            <a:extLst>
+              <a:ext uri="{FF2B5EF4-FFF2-40B4-BE49-F238E27FC236}">
+                <a16:creationId xmlns:a16="http://schemas.microsoft.com/office/drawing/2014/main" id="{16751141-3E21-6ECC-4259-9F90357C5611}"/>
+              </a:ext>
+            </a:extLst>
+          </p:cNvPr>
+          <p:cNvSpPr>
+            <a:spLocks noGrp="1"/>
+          </p:cNvSpPr>
+          <p:nvPr>
+            <p:ph type="title"/>
+          </p:nvPr>
+        </p:nvSpPr>
+        <p:spPr/>
+        <p:txBody>
+          <a:bodyPr/>
+          <a:lstStyle/>
+          <a:p>
+            <a:r>
+              <a:rPr lang="en-US" altLang="zh-TW" dirty="0"/>
+              <a:t>2. Identifying Unblocked Wire Surfaces</a:t>
+            </a:r>
+            <a:endParaRPr lang="zh-TW" altLang="en-US" dirty="0"/>
+          </a:p>
+        </p:txBody>
+      </p:sp>
+      <p:sp>
+        <p:nvSpPr>
+          <p:cNvPr id="3" name="內容版面配置區 2">
+            <a:extLst>
+              <a:ext uri="{FF2B5EF4-FFF2-40B4-BE49-F238E27FC236}">
+                <a16:creationId xmlns:a16="http://schemas.microsoft.com/office/drawing/2014/main" id="{DEF28087-A039-2122-E0E6-8A1E9C86BDE7}"/>
+              </a:ext>
+            </a:extLst>
+          </p:cNvPr>
+          <p:cNvSpPr>
+            <a:spLocks noGrp="1"/>
+          </p:cNvSpPr>
+          <p:nvPr>
+            <p:ph idx="1"/>
+          </p:nvPr>
+        </p:nvSpPr>
+        <p:spPr/>
+        <p:txBody>
+          <a:bodyPr/>
+          <a:lstStyle/>
+          <a:p>
+            <a:r>
+              <a:rPr lang="en-US" altLang="zh-TW" dirty="0"/>
+              <a:t>Use the method of 3-D scanning window approach</a:t>
+            </a:r>
+          </a:p>
+          <a:p>
+            <a:endParaRPr lang="en-US" altLang="zh-TW" dirty="0"/>
+          </a:p>
+          <a:p>
+            <a:r>
+              <a:rPr lang="en-US" altLang="zh-TW" dirty="0"/>
+              <a:t>If the there exists an region that meets the minimum spacing requirement, the region will be seen as unblocked</a:t>
+            </a:r>
+          </a:p>
+          <a:p>
+            <a:endParaRPr lang="en-US" altLang="zh-TW" dirty="0"/>
+          </a:p>
+          <a:p>
+            <a:r>
+              <a:rPr lang="en-US" altLang="zh-TW" dirty="0"/>
+              <a:t>The output of this approach is a list of coordinates that must be filled with guard wires</a:t>
+            </a:r>
+          </a:p>
+          <a:p>
+            <a:endParaRPr lang="en-US" altLang="zh-TW" dirty="0"/>
+          </a:p>
+          <a:p>
+            <a:endParaRPr lang="zh-TW" altLang="en-US" dirty="0"/>
+          </a:p>
+        </p:txBody>
+      </p:sp>
+    </p:spTree>
+    <p:extLst>
+      <p:ext uri="{BB962C8B-B14F-4D97-AF65-F5344CB8AC3E}">
+        <p14:creationId xmlns:p14="http://schemas.microsoft.com/office/powerpoint/2010/main" val="698820687"/>
+      </p:ext>
+    </p:extLst>
+  </p:cSld>
+  <p:clrMapOvr>
+    <a:masterClrMapping/>
+  </p:clrMapOvr>
+</p:sld>
+</file>
+
+<file path=ppt/slides/slide16.xml><?xml version="1.0" encoding="utf-8"?>
+<p:sld xmlns:a="http://schemas.openxmlformats.org/drawingml/2006/main" xmlns:r="http://schemas.openxmlformats.org/officeDocument/2006/relationships" xmlns:p="http://schemas.openxmlformats.org/presentationml/2006/main">
+  <p:cSld>
+    <p:spTree>
+      <p:nvGrpSpPr>
+        <p:cNvPr id="1" name=""/>
+        <p:cNvGrpSpPr/>
+        <p:nvPr/>
+      </p:nvGrpSpPr>
+      <p:grpSpPr>
+        <a:xfrm>
+          <a:off x="0" y="0"/>
+          <a:ext cx="0" cy="0"/>
+          <a:chOff x="0" y="0"/>
+          <a:chExt cx="0" cy="0"/>
+        </a:xfrm>
+      </p:grpSpPr>
+      <p:sp>
+        <p:nvSpPr>
+          <p:cNvPr id="2" name="標題 1">
+            <a:extLst>
+              <a:ext uri="{FF2B5EF4-FFF2-40B4-BE49-F238E27FC236}">
                 <a16:creationId xmlns:a16="http://schemas.microsoft.com/office/drawing/2014/main" id="{B4963B34-C26D-5E3D-6CD7-B0B2D8F6D672}"/>
               </a:ext>
             </a:extLst>
@@ -4511,7 +4806,7 @@
 </p:sld>
 </file>
 
-<file path=ppt/slides/slide15.xml><?xml version="1.0" encoding="utf-8"?>
+<file path=ppt/slides/slide17.xml><?xml version="1.0" encoding="utf-8"?>
 <p:sld xmlns:a="http://schemas.openxmlformats.org/drawingml/2006/main" xmlns:r="http://schemas.openxmlformats.org/officeDocument/2006/relationships" xmlns:p="http://schemas.openxmlformats.org/presentationml/2006/main">
   <p:cSld>
     <p:spTree>
@@ -4625,7 +4920,7 @@
 </p:sld>
 </file>
 
-<file path=ppt/slides/slide16.xml><?xml version="1.0" encoding="utf-8"?>
+<file path=ppt/slides/slide18.xml><?xml version="1.0" encoding="utf-8"?>
 <p:sld xmlns:a="http://schemas.openxmlformats.org/drawingml/2006/main" xmlns:r="http://schemas.openxmlformats.org/officeDocument/2006/relationships" xmlns:p="http://schemas.openxmlformats.org/presentationml/2006/main">
   <p:cSld>
     <p:spTree>
@@ -4849,7 +5144,7 @@
           <p:cNvPr id="2" name="標題 1">
             <a:extLst>
               <a:ext uri="{FF2B5EF4-FFF2-40B4-BE49-F238E27FC236}">
-                <a16:creationId xmlns:a16="http://schemas.microsoft.com/office/drawing/2014/main" id="{533321E6-D345-853F-0824-86029218874F}"/>
+                <a16:creationId xmlns:a16="http://schemas.microsoft.com/office/drawing/2014/main" id="{D4CFB01E-99D9-F938-6651-84CC205FE9CB}"/>
               </a:ext>
             </a:extLst>
           </p:cNvPr>
@@ -4867,69 +5162,111 @@
           <a:p>
             <a:r>
               <a:rPr lang="en-US" altLang="zh-TW" dirty="0"/>
+              <a:t>Outline</a:t>
+            </a:r>
+            <a:endParaRPr lang="zh-TW" altLang="en-US" dirty="0"/>
+          </a:p>
+        </p:txBody>
+      </p:sp>
+      <p:sp>
+        <p:nvSpPr>
+          <p:cNvPr id="3" name="內容版面配置區 2">
+            <a:extLst>
+              <a:ext uri="{FF2B5EF4-FFF2-40B4-BE49-F238E27FC236}">
+                <a16:creationId xmlns:a16="http://schemas.microsoft.com/office/drawing/2014/main" id="{EF338BB4-46E7-A9BB-4CA3-591A4C3CAD81}"/>
+              </a:ext>
+            </a:extLst>
+          </p:cNvPr>
+          <p:cNvSpPr>
+            <a:spLocks noGrp="1"/>
+          </p:cNvSpPr>
+          <p:nvPr>
+            <p:ph idx="1"/>
+          </p:nvPr>
+        </p:nvSpPr>
+        <p:spPr/>
+        <p:txBody>
+          <a:bodyPr/>
+          <a:lstStyle/>
+          <a:p>
+            <a:r>
+              <a:rPr lang="en-US" altLang="zh-TW" dirty="0"/>
               <a:t>Abstract</a:t>
             </a:r>
-            <a:endParaRPr lang="zh-TW" altLang="en-US" dirty="0"/>
-          </a:p>
-        </p:txBody>
-      </p:sp>
-      <p:sp>
-        <p:nvSpPr>
-          <p:cNvPr id="3" name="內容版面配置區 2">
-            <a:extLst>
-              <a:ext uri="{FF2B5EF4-FFF2-40B4-BE49-F238E27FC236}">
-                <a16:creationId xmlns:a16="http://schemas.microsoft.com/office/drawing/2014/main" id="{BFCD9594-C7DD-F027-733E-A3B1DAD87B1F}"/>
-              </a:ext>
-            </a:extLst>
-          </p:cNvPr>
-          <p:cNvSpPr>
-            <a:spLocks noGrp="1"/>
-          </p:cNvSpPr>
-          <p:nvPr>
-            <p:ph idx="1"/>
-          </p:nvPr>
-        </p:nvSpPr>
-        <p:spPr/>
-        <p:txBody>
-          <a:bodyPr/>
-          <a:lstStyle/>
-          <a:p>
-            <a:pPr>
-              <a:lnSpc>
-                <a:spcPct val="125000"/>
-              </a:lnSpc>
-            </a:pPr>
-            <a:r>
-              <a:rPr lang="en-US" altLang="zh-TW" dirty="0"/>
-              <a:t>T-TER is directed and routing-centric, which T-TER guard wires must be tamper-evident in both the digital (deletion attacks) and analog (move and jog attacks) domains</a:t>
-            </a:r>
-          </a:p>
-          <a:p>
-            <a:pPr>
-              <a:lnSpc>
-                <a:spcPct val="125000"/>
-              </a:lnSpc>
-            </a:pPr>
-            <a:endParaRPr lang="en-US" altLang="zh-TW" dirty="0"/>
-          </a:p>
-          <a:p>
-            <a:pPr>
-              <a:lnSpc>
-                <a:spcPct val="125000"/>
-              </a:lnSpc>
-            </a:pPr>
-            <a:r>
-              <a:rPr lang="en-US" altLang="zh-TW" dirty="0"/>
-              <a:t>T-TER defeats even the stealthiest known hardware Trojan, with ≈ 1% overhead</a:t>
-            </a:r>
-            <a:endParaRPr lang="zh-TW" altLang="en-US" dirty="0"/>
+          </a:p>
+          <a:p>
+            <a:r>
+              <a:rPr lang="en-US" altLang="zh-TW" dirty="0">
+                <a:solidFill>
+                  <a:schemeClr val="bg2">
+                    <a:lumMod val="50000"/>
+                  </a:schemeClr>
+                </a:solidFill>
+              </a:rPr>
+              <a:t>Introduction</a:t>
+            </a:r>
+          </a:p>
+          <a:p>
+            <a:r>
+              <a:rPr lang="en-US" altLang="zh-TW" dirty="0">
+                <a:solidFill>
+                  <a:schemeClr val="bg2">
+                    <a:lumMod val="50000"/>
+                  </a:schemeClr>
+                </a:solidFill>
+              </a:rPr>
+              <a:t>Guard Wire Bypass Attacks</a:t>
+            </a:r>
+          </a:p>
+          <a:p>
+            <a:r>
+              <a:rPr lang="en-US" altLang="zh-TW" dirty="0">
+                <a:solidFill>
+                  <a:schemeClr val="bg2">
+                    <a:lumMod val="50000"/>
+                  </a:schemeClr>
+                </a:solidFill>
+              </a:rPr>
+              <a:t>Tamper-Evident Guard Wires</a:t>
+            </a:r>
+          </a:p>
+          <a:p>
+            <a:r>
+              <a:rPr lang="en-US" altLang="zh-TW" dirty="0">
+                <a:solidFill>
+                  <a:schemeClr val="bg2">
+                    <a:lumMod val="50000"/>
+                  </a:schemeClr>
+                </a:solidFill>
+              </a:rPr>
+              <a:t>Implementation</a:t>
+            </a:r>
+          </a:p>
+          <a:p>
+            <a:r>
+              <a:rPr lang="en-US" altLang="zh-TW" dirty="0">
+                <a:solidFill>
+                  <a:schemeClr val="bg2">
+                    <a:lumMod val="50000"/>
+                  </a:schemeClr>
+                </a:solidFill>
+              </a:rPr>
+              <a:t>Evaluation</a:t>
+            </a:r>
+            <a:endParaRPr lang="zh-TW" altLang="en-US" dirty="0">
+              <a:solidFill>
+                <a:schemeClr val="bg2">
+                  <a:lumMod val="50000"/>
+                </a:schemeClr>
+              </a:solidFill>
+            </a:endParaRPr>
           </a:p>
         </p:txBody>
       </p:sp>
     </p:spTree>
     <p:extLst>
       <p:ext uri="{BB962C8B-B14F-4D97-AF65-F5344CB8AC3E}">
-        <p14:creationId xmlns:p14="http://schemas.microsoft.com/office/powerpoint/2010/main" val="725895315"/>
+        <p14:creationId xmlns:p14="http://schemas.microsoft.com/office/powerpoint/2010/main" val="1700289382"/>
       </p:ext>
     </p:extLst>
   </p:cSld>
@@ -4961,7 +5298,7 @@
           <p:cNvPr id="2" name="標題 1">
             <a:extLst>
               <a:ext uri="{FF2B5EF4-FFF2-40B4-BE49-F238E27FC236}">
-                <a16:creationId xmlns:a16="http://schemas.microsoft.com/office/drawing/2014/main" id="{80A62AF8-FDD5-261D-D0FA-C01A67C3CFEA}"/>
+                <a16:creationId xmlns:a16="http://schemas.microsoft.com/office/drawing/2014/main" id="{533321E6-D345-853F-0824-86029218874F}"/>
               </a:ext>
             </a:extLst>
           </p:cNvPr>
@@ -4979,45 +5316,77 @@
           <a:p>
             <a:r>
               <a:rPr lang="en-US" altLang="zh-TW" dirty="0"/>
-              <a:t>Introduction</a:t>
+              <a:t>Abstract</a:t>
             </a:r>
             <a:endParaRPr lang="zh-TW" altLang="en-US" dirty="0"/>
           </a:p>
         </p:txBody>
       </p:sp>
-      <p:pic>
-        <p:nvPicPr>
-          <p:cNvPr id="5" name="內容版面配置區 4">
-            <a:extLst>
-              <a:ext uri="{FF2B5EF4-FFF2-40B4-BE49-F238E27FC236}">
-                <a16:creationId xmlns:a16="http://schemas.microsoft.com/office/drawing/2014/main" id="{DC19F40E-0B3C-C206-6ECE-6CFA3BD28331}"/>
-              </a:ext>
-            </a:extLst>
-          </p:cNvPr>
-          <p:cNvPicPr>
-            <a:picLocks noGrp="1" noChangeAspect="1"/>
-          </p:cNvPicPr>
+      <p:sp>
+        <p:nvSpPr>
+          <p:cNvPr id="3" name="內容版面配置區 2">
+            <a:extLst>
+              <a:ext uri="{FF2B5EF4-FFF2-40B4-BE49-F238E27FC236}">
+                <a16:creationId xmlns:a16="http://schemas.microsoft.com/office/drawing/2014/main" id="{BFCD9594-C7DD-F027-733E-A3B1DAD87B1F}"/>
+              </a:ext>
+            </a:extLst>
+          </p:cNvPr>
+          <p:cNvSpPr>
+            <a:spLocks noGrp="1"/>
+          </p:cNvSpPr>
           <p:nvPr>
             <p:ph idx="1"/>
           </p:nvPr>
-        </p:nvPicPr>
-        <p:blipFill>
-          <a:blip r:embed="rId2"/>
-          <a:stretch>
-            <a:fillRect/>
-          </a:stretch>
-        </p:blipFill>
-        <p:spPr>
-          <a:xfrm>
-            <a:off x="2466468" y="2396107"/>
-            <a:ext cx="7259063" cy="3210373"/>
-          </a:xfrm>
-        </p:spPr>
-      </p:pic>
+        </p:nvSpPr>
+        <p:spPr/>
+        <p:txBody>
+          <a:bodyPr/>
+          <a:lstStyle/>
+          <a:p>
+            <a:pPr>
+              <a:lnSpc>
+                <a:spcPct val="125000"/>
+              </a:lnSpc>
+            </a:pPr>
+            <a:r>
+              <a:rPr lang="en-US" altLang="zh-TW" dirty="0"/>
+              <a:t>T-TER is directed and routing-centric, which T-TER guard wires must be </a:t>
+            </a:r>
+            <a:r>
+              <a:rPr lang="en-US" altLang="zh-TW" b="1" dirty="0"/>
+              <a:t>tamper-evident</a:t>
+            </a:r>
+            <a:r>
+              <a:rPr lang="en-US" altLang="zh-TW" dirty="0"/>
+              <a:t> in both the digital (deletion attacks) and analog (move and jog attacks) domains</a:t>
+            </a:r>
+          </a:p>
+          <a:p>
+            <a:pPr>
+              <a:lnSpc>
+                <a:spcPct val="125000"/>
+              </a:lnSpc>
+            </a:pPr>
+            <a:endParaRPr lang="en-US" altLang="zh-TW" dirty="0"/>
+          </a:p>
+          <a:p>
+            <a:pPr>
+              <a:lnSpc>
+                <a:spcPct val="125000"/>
+              </a:lnSpc>
+            </a:pPr>
+            <a:r>
+              <a:rPr lang="en-US" altLang="zh-TW" dirty="0"/>
+              <a:t>T-TER defeats even the stealthiest known hardware Trojan, with ≈ 1% overhead</a:t>
+            </a:r>
+            <a:endParaRPr lang="zh-TW" altLang="en-US" dirty="0"/>
+          </a:p>
+        </p:txBody>
+      </p:sp>
     </p:spTree>
     <p:extLst>
       <p:ext uri="{BB962C8B-B14F-4D97-AF65-F5344CB8AC3E}">
-        <p14:creationId xmlns:p14="http://schemas.microsoft.com/office/powerpoint/2010/main" val="2254414460"/>
+        <p14:creationId xmlns:p14="http://schemas.microsoft.com/office/powerpoint/2010/main" val="725895315"/>
       </p:ext>
     </p:extLst>
   </p:cSld>
@@ -5049,6 +5418,248 @@
           <p:cNvPr id="2" name="標題 1">
             <a:extLst>
               <a:ext uri="{FF2B5EF4-FFF2-40B4-BE49-F238E27FC236}">
+                <a16:creationId xmlns:a16="http://schemas.microsoft.com/office/drawing/2014/main" id="{D4CFB01E-99D9-F938-6651-84CC205FE9CB}"/>
+              </a:ext>
+            </a:extLst>
+          </p:cNvPr>
+          <p:cNvSpPr>
+            <a:spLocks noGrp="1"/>
+          </p:cNvSpPr>
+          <p:nvPr>
+            <p:ph type="title"/>
+          </p:nvPr>
+        </p:nvSpPr>
+        <p:spPr/>
+        <p:txBody>
+          <a:bodyPr/>
+          <a:lstStyle/>
+          <a:p>
+            <a:r>
+              <a:rPr lang="en-US" altLang="zh-TW" dirty="0"/>
+              <a:t>Outline</a:t>
+            </a:r>
+            <a:endParaRPr lang="zh-TW" altLang="en-US" dirty="0"/>
+          </a:p>
+        </p:txBody>
+      </p:sp>
+      <p:sp>
+        <p:nvSpPr>
+          <p:cNvPr id="3" name="內容版面配置區 2">
+            <a:extLst>
+              <a:ext uri="{FF2B5EF4-FFF2-40B4-BE49-F238E27FC236}">
+                <a16:creationId xmlns:a16="http://schemas.microsoft.com/office/drawing/2014/main" id="{EF338BB4-46E7-A9BB-4CA3-591A4C3CAD81}"/>
+              </a:ext>
+            </a:extLst>
+          </p:cNvPr>
+          <p:cNvSpPr>
+            <a:spLocks noGrp="1"/>
+          </p:cNvSpPr>
+          <p:nvPr>
+            <p:ph idx="1"/>
+          </p:nvPr>
+        </p:nvSpPr>
+        <p:spPr/>
+        <p:txBody>
+          <a:bodyPr/>
+          <a:lstStyle/>
+          <a:p>
+            <a:r>
+              <a:rPr lang="en-US" altLang="zh-TW" dirty="0">
+                <a:solidFill>
+                  <a:schemeClr val="bg2">
+                    <a:lumMod val="50000"/>
+                  </a:schemeClr>
+                </a:solidFill>
+              </a:rPr>
+              <a:t>Abstract</a:t>
+            </a:r>
+          </a:p>
+          <a:p>
+            <a:r>
+              <a:rPr lang="en-US" altLang="zh-TW" dirty="0"/>
+              <a:t>Introduction</a:t>
+            </a:r>
+          </a:p>
+          <a:p>
+            <a:r>
+              <a:rPr lang="en-US" altLang="zh-TW" dirty="0">
+                <a:solidFill>
+                  <a:schemeClr val="bg2">
+                    <a:lumMod val="50000"/>
+                  </a:schemeClr>
+                </a:solidFill>
+              </a:rPr>
+              <a:t>Guard Wire Bypass Attacks</a:t>
+            </a:r>
+          </a:p>
+          <a:p>
+            <a:r>
+              <a:rPr lang="en-US" altLang="zh-TW" dirty="0">
+                <a:solidFill>
+                  <a:schemeClr val="bg2">
+                    <a:lumMod val="50000"/>
+                  </a:schemeClr>
+                </a:solidFill>
+              </a:rPr>
+              <a:t>Tamper-Evident Guard Wires</a:t>
+            </a:r>
+          </a:p>
+          <a:p>
+            <a:r>
+              <a:rPr lang="en-US" altLang="zh-TW" dirty="0">
+                <a:solidFill>
+                  <a:schemeClr val="bg2">
+                    <a:lumMod val="50000"/>
+                  </a:schemeClr>
+                </a:solidFill>
+              </a:rPr>
+              <a:t>Implementation</a:t>
+            </a:r>
+          </a:p>
+          <a:p>
+            <a:r>
+              <a:rPr lang="en-US" altLang="zh-TW" dirty="0">
+                <a:solidFill>
+                  <a:schemeClr val="bg2">
+                    <a:lumMod val="50000"/>
+                  </a:schemeClr>
+                </a:solidFill>
+              </a:rPr>
+              <a:t>Evaluation</a:t>
+            </a:r>
+            <a:endParaRPr lang="zh-TW" altLang="en-US" dirty="0">
+              <a:solidFill>
+                <a:schemeClr val="bg2">
+                  <a:lumMod val="50000"/>
+                </a:schemeClr>
+              </a:solidFill>
+            </a:endParaRPr>
+          </a:p>
+        </p:txBody>
+      </p:sp>
+    </p:spTree>
+    <p:extLst>
+      <p:ext uri="{BB962C8B-B14F-4D97-AF65-F5344CB8AC3E}">
+        <p14:creationId xmlns:p14="http://schemas.microsoft.com/office/powerpoint/2010/main" val="3912962839"/>
+      </p:ext>
+    </p:extLst>
+  </p:cSld>
+  <p:clrMapOvr>
+    <a:masterClrMapping/>
+  </p:clrMapOvr>
+</p:sld>
+</file>
+
+<file path=ppt/slides/slide6.xml><?xml version="1.0" encoding="utf-8"?>
+<p:sld xmlns:a="http://schemas.openxmlformats.org/drawingml/2006/main" xmlns:r="http://schemas.openxmlformats.org/officeDocument/2006/relationships" xmlns:p="http://schemas.openxmlformats.org/presentationml/2006/main">
+  <p:cSld>
+    <p:spTree>
+      <p:nvGrpSpPr>
+        <p:cNvPr id="1" name=""/>
+        <p:cNvGrpSpPr/>
+        <p:nvPr/>
+      </p:nvGrpSpPr>
+      <p:grpSpPr>
+        <a:xfrm>
+          <a:off x="0" y="0"/>
+          <a:ext cx="0" cy="0"/>
+          <a:chOff x="0" y="0"/>
+          <a:chExt cx="0" cy="0"/>
+        </a:xfrm>
+      </p:grpSpPr>
+      <p:sp>
+        <p:nvSpPr>
+          <p:cNvPr id="2" name="標題 1">
+            <a:extLst>
+              <a:ext uri="{FF2B5EF4-FFF2-40B4-BE49-F238E27FC236}">
+                <a16:creationId xmlns:a16="http://schemas.microsoft.com/office/drawing/2014/main" id="{80A62AF8-FDD5-261D-D0FA-C01A67C3CFEA}"/>
+              </a:ext>
+            </a:extLst>
+          </p:cNvPr>
+          <p:cNvSpPr>
+            <a:spLocks noGrp="1"/>
+          </p:cNvSpPr>
+          <p:nvPr>
+            <p:ph type="title"/>
+          </p:nvPr>
+        </p:nvSpPr>
+        <p:spPr/>
+        <p:txBody>
+          <a:bodyPr/>
+          <a:lstStyle/>
+          <a:p>
+            <a:r>
+              <a:rPr lang="en-US" altLang="zh-TW" dirty="0"/>
+              <a:t>Introduction</a:t>
+            </a:r>
+            <a:endParaRPr lang="zh-TW" altLang="en-US" dirty="0"/>
+          </a:p>
+        </p:txBody>
+      </p:sp>
+      <p:pic>
+        <p:nvPicPr>
+          <p:cNvPr id="5" name="內容版面配置區 4">
+            <a:extLst>
+              <a:ext uri="{FF2B5EF4-FFF2-40B4-BE49-F238E27FC236}">
+                <a16:creationId xmlns:a16="http://schemas.microsoft.com/office/drawing/2014/main" id="{DC19F40E-0B3C-C206-6ECE-6CFA3BD28331}"/>
+              </a:ext>
+            </a:extLst>
+          </p:cNvPr>
+          <p:cNvPicPr>
+            <a:picLocks noGrp="1" noChangeAspect="1"/>
+          </p:cNvPicPr>
+          <p:nvPr>
+            <p:ph idx="1"/>
+          </p:nvPr>
+        </p:nvPicPr>
+        <p:blipFill>
+          <a:blip r:embed="rId2"/>
+          <a:stretch>
+            <a:fillRect/>
+          </a:stretch>
+        </p:blipFill>
+        <p:spPr>
+          <a:xfrm>
+            <a:off x="2466468" y="2368811"/>
+            <a:ext cx="7259063" cy="3210373"/>
+          </a:xfrm>
+        </p:spPr>
+      </p:pic>
+    </p:spTree>
+    <p:extLst>
+      <p:ext uri="{BB962C8B-B14F-4D97-AF65-F5344CB8AC3E}">
+        <p14:creationId xmlns:p14="http://schemas.microsoft.com/office/powerpoint/2010/main" val="2254414460"/>
+      </p:ext>
+    </p:extLst>
+  </p:cSld>
+  <p:clrMapOvr>
+    <a:masterClrMapping/>
+  </p:clrMapOvr>
+</p:sld>
+</file>
+
+<file path=ppt/slides/slide7.xml><?xml version="1.0" encoding="utf-8"?>
+<p:sld xmlns:a="http://schemas.openxmlformats.org/drawingml/2006/main" xmlns:r="http://schemas.openxmlformats.org/officeDocument/2006/relationships" xmlns:p="http://schemas.openxmlformats.org/presentationml/2006/main">
+  <p:cSld>
+    <p:spTree>
+      <p:nvGrpSpPr>
+        <p:cNvPr id="1" name=""/>
+        <p:cNvGrpSpPr/>
+        <p:nvPr/>
+      </p:nvGrpSpPr>
+      <p:grpSpPr>
+        <a:xfrm>
+          <a:off x="0" y="0"/>
+          <a:ext cx="0" cy="0"/>
+          <a:chOff x="0" y="0"/>
+          <a:chExt cx="0" cy="0"/>
+        </a:xfrm>
+      </p:grpSpPr>
+      <p:sp>
+        <p:nvSpPr>
+          <p:cNvPr id="2" name="標題 1">
+            <a:extLst>
+              <a:ext uri="{FF2B5EF4-FFF2-40B4-BE49-F238E27FC236}">
                 <a16:creationId xmlns:a16="http://schemas.microsoft.com/office/drawing/2014/main" id="{83215A3C-EA0F-4C52-15DF-2EAA6C6CD1F3}"/>
               </a:ext>
             </a:extLst>
@@ -5146,7 +5757,7 @@
 </p:sld>
 </file>
 
-<file path=ppt/slides/slide6.xml><?xml version="1.0" encoding="utf-8"?>
+<file path=ppt/slides/slide8.xml><?xml version="1.0" encoding="utf-8"?>
 <p:sld xmlns:a="http://schemas.openxmlformats.org/drawingml/2006/main" xmlns:r="http://schemas.openxmlformats.org/officeDocument/2006/relationships" xmlns:p="http://schemas.openxmlformats.org/presentationml/2006/main">
   <p:cSld>
     <p:spTree>
@@ -5234,349 +5845,6 @@
 </p:sld>
 </file>
 
-<file path=ppt/slides/slide7.xml><?xml version="1.0" encoding="utf-8"?>
-<p:sld xmlns:a="http://schemas.openxmlformats.org/drawingml/2006/main" xmlns:r="http://schemas.openxmlformats.org/officeDocument/2006/relationships" xmlns:p="http://schemas.openxmlformats.org/presentationml/2006/main">
-  <p:cSld>
-    <p:spTree>
-      <p:nvGrpSpPr>
-        <p:cNvPr id="1" name=""/>
-        <p:cNvGrpSpPr/>
-        <p:nvPr/>
-      </p:nvGrpSpPr>
-      <p:grpSpPr>
-        <a:xfrm>
-          <a:off x="0" y="0"/>
-          <a:ext cx="0" cy="0"/>
-          <a:chOff x="0" y="0"/>
-          <a:chExt cx="0" cy="0"/>
-        </a:xfrm>
-      </p:grpSpPr>
-      <p:sp>
-        <p:nvSpPr>
-          <p:cNvPr id="2" name="標題 1">
-            <a:extLst>
-              <a:ext uri="{FF2B5EF4-FFF2-40B4-BE49-F238E27FC236}">
-                <a16:creationId xmlns:a16="http://schemas.microsoft.com/office/drawing/2014/main" id="{D334CEA4-A6DA-4941-8A35-1FF76D3173DE}"/>
-              </a:ext>
-            </a:extLst>
-          </p:cNvPr>
-          <p:cNvSpPr>
-            <a:spLocks noGrp="1"/>
-          </p:cNvSpPr>
-          <p:nvPr>
-            <p:ph type="title"/>
-          </p:nvPr>
-        </p:nvSpPr>
-        <p:spPr/>
-        <p:txBody>
-          <a:bodyPr/>
-          <a:lstStyle/>
-          <a:p>
-            <a:r>
-              <a:rPr lang="en-US" altLang="zh-TW" dirty="0"/>
-              <a:t>Tamper-Evident Guard Wires</a:t>
-            </a:r>
-            <a:endParaRPr lang="zh-TW" altLang="en-US" dirty="0"/>
-          </a:p>
-        </p:txBody>
-      </p:sp>
-      <p:sp>
-        <p:nvSpPr>
-          <p:cNvPr id="3" name="內容版面配置區 2">
-            <a:extLst>
-              <a:ext uri="{FF2B5EF4-FFF2-40B4-BE49-F238E27FC236}">
-                <a16:creationId xmlns:a16="http://schemas.microsoft.com/office/drawing/2014/main" id="{26148F1D-7847-6FE9-1ADC-5C3AEB725459}"/>
-              </a:ext>
-            </a:extLst>
-          </p:cNvPr>
-          <p:cNvSpPr>
-            <a:spLocks noGrp="1"/>
-          </p:cNvSpPr>
-          <p:nvPr>
-            <p:ph idx="1"/>
-          </p:nvPr>
-        </p:nvSpPr>
-        <p:spPr/>
-        <p:txBody>
-          <a:bodyPr/>
-          <a:lstStyle/>
-          <a:p>
-            <a:pPr marL="514350" indent="-514350">
-              <a:buFont typeface="+mj-lt"/>
-              <a:buAutoNum type="arabicPeriod"/>
-            </a:pPr>
-            <a:r>
-              <a:rPr lang="en-US" altLang="zh-TW" dirty="0"/>
-              <a:t>Naïve Approach: Re-purpose Existing Wires</a:t>
-            </a:r>
-          </a:p>
-          <a:p>
-            <a:pPr lvl="1"/>
-            <a:r>
-              <a:rPr lang="en-US" altLang="zh-TW" dirty="0"/>
-              <a:t>Use the existing non-security-critical net to as guard wires</a:t>
-            </a:r>
-          </a:p>
-          <a:p>
-            <a:pPr lvl="1"/>
-            <a:r>
-              <a:rPr lang="en-US" altLang="zh-TW" dirty="0"/>
-              <a:t>This approach create hyper-local routing density near security-critical nets</a:t>
-            </a:r>
-          </a:p>
-          <a:p>
-            <a:pPr lvl="1"/>
-            <a:r>
-              <a:rPr lang="en-US" altLang="zh-TW" dirty="0"/>
-              <a:t>This way will not incur hardware overhead but hard to implement</a:t>
-            </a:r>
-          </a:p>
-          <a:p>
-            <a:pPr lvl="1"/>
-            <a:endParaRPr lang="en-US" altLang="zh-TW" dirty="0"/>
-          </a:p>
-          <a:p>
-            <a:pPr marL="514350" indent="-514350">
-              <a:buFont typeface="+mj-lt"/>
-              <a:buAutoNum type="arabicPeriod"/>
-            </a:pPr>
-            <a:r>
-              <a:rPr lang="en-US" altLang="zh-TW" dirty="0"/>
-              <a:t>Designed-in Guard Wires</a:t>
-            </a:r>
-          </a:p>
-          <a:p>
-            <a:pPr lvl="1"/>
-            <a:r>
-              <a:rPr lang="en-US" altLang="zh-TW" b="0" i="0" dirty="0">
-                <a:solidFill>
-                  <a:srgbClr val="333333"/>
-                </a:solidFill>
-                <a:effectLst/>
-                <a:latin typeface="-apple-system"/>
-              </a:rPr>
-              <a:t>This guard </a:t>
-            </a:r>
-            <a:r>
-              <a:rPr lang="en-US" altLang="zh-TW" dirty="0">
-                <a:solidFill>
-                  <a:srgbClr val="333333"/>
-                </a:solidFill>
-                <a:latin typeface="-apple-system"/>
-              </a:rPr>
-              <a:t>wire</a:t>
-            </a:r>
-            <a:r>
-              <a:rPr lang="en-US" altLang="zh-TW" b="0" i="0" dirty="0">
-                <a:solidFill>
-                  <a:srgbClr val="333333"/>
-                </a:solidFill>
-                <a:effectLst/>
-                <a:latin typeface="-apple-system"/>
-              </a:rPr>
-              <a:t> do not implement any functionality, and will incur hardware overhead</a:t>
-            </a:r>
-          </a:p>
-          <a:p>
-            <a:pPr lvl="1"/>
-            <a:endParaRPr lang="zh-TW" altLang="en-US" dirty="0"/>
-          </a:p>
-        </p:txBody>
-      </p:sp>
-    </p:spTree>
-    <p:extLst>
-      <p:ext uri="{BB962C8B-B14F-4D97-AF65-F5344CB8AC3E}">
-        <p14:creationId xmlns:p14="http://schemas.microsoft.com/office/powerpoint/2010/main" val="2424790477"/>
-      </p:ext>
-    </p:extLst>
-  </p:cSld>
-  <p:clrMapOvr>
-    <a:masterClrMapping/>
-  </p:clrMapOvr>
-</p:sld>
-</file>
-
-<file path=ppt/slides/slide8.xml><?xml version="1.0" encoding="utf-8"?>
-<p:sld xmlns:a="http://schemas.openxmlformats.org/drawingml/2006/main" xmlns:r="http://schemas.openxmlformats.org/officeDocument/2006/relationships" xmlns:p="http://schemas.openxmlformats.org/presentationml/2006/main">
-  <p:cSld>
-    <p:spTree>
-      <p:nvGrpSpPr>
-        <p:cNvPr id="1" name=""/>
-        <p:cNvGrpSpPr/>
-        <p:nvPr/>
-      </p:nvGrpSpPr>
-      <p:grpSpPr>
-        <a:xfrm>
-          <a:off x="0" y="0"/>
-          <a:ext cx="0" cy="0"/>
-          <a:chOff x="0" y="0"/>
-          <a:chExt cx="0" cy="0"/>
-        </a:xfrm>
-      </p:grpSpPr>
-      <p:sp>
-        <p:nvSpPr>
-          <p:cNvPr id="2" name="標題 1">
-            <a:extLst>
-              <a:ext uri="{FF2B5EF4-FFF2-40B4-BE49-F238E27FC236}">
-                <a16:creationId xmlns:a16="http://schemas.microsoft.com/office/drawing/2014/main" id="{BB875546-5021-18F9-5C4B-7A77006FF4F9}"/>
-              </a:ext>
-            </a:extLst>
-          </p:cNvPr>
-          <p:cNvSpPr>
-            <a:spLocks noGrp="1"/>
-          </p:cNvSpPr>
-          <p:nvPr>
-            <p:ph type="title"/>
-          </p:nvPr>
-        </p:nvSpPr>
-        <p:spPr/>
-        <p:txBody>
-          <a:bodyPr/>
-          <a:lstStyle/>
-          <a:p>
-            <a:r>
-              <a:rPr lang="en-US" altLang="zh-TW" dirty="0"/>
-              <a:t>Tamper-Evident Guard Wires</a:t>
-            </a:r>
-            <a:endParaRPr lang="zh-TW" altLang="en-US" dirty="0"/>
-          </a:p>
-        </p:txBody>
-      </p:sp>
-      <p:sp>
-        <p:nvSpPr>
-          <p:cNvPr id="3" name="內容版面配置區 2">
-            <a:extLst>
-              <a:ext uri="{FF2B5EF4-FFF2-40B4-BE49-F238E27FC236}">
-                <a16:creationId xmlns:a16="http://schemas.microsoft.com/office/drawing/2014/main" id="{4ACED94D-246F-CCA0-B116-BDC605727FBB}"/>
-              </a:ext>
-            </a:extLst>
-          </p:cNvPr>
-          <p:cNvSpPr>
-            <a:spLocks noGrp="1"/>
-          </p:cNvSpPr>
-          <p:nvPr>
-            <p:ph idx="1"/>
-          </p:nvPr>
-        </p:nvSpPr>
-        <p:spPr/>
-        <p:txBody>
-          <a:bodyPr/>
-          <a:lstStyle/>
-          <a:p>
-            <a:pPr algn="l"/>
-            <a:r>
-              <a:rPr lang="en-US" altLang="zh-TW" b="0" i="0" dirty="0">
-                <a:solidFill>
-                  <a:srgbClr val="333333"/>
-                </a:solidFill>
-                <a:effectLst/>
-                <a:latin typeface="-apple-system"/>
-              </a:rPr>
-              <a:t>There are many ways can detect the tampering of the guard wires:</a:t>
-            </a:r>
-          </a:p>
-          <a:p>
-            <a:pPr algn="l"/>
-            <a:endParaRPr lang="en-US" altLang="zh-TW" dirty="0">
-              <a:solidFill>
-                <a:srgbClr val="333333"/>
-              </a:solidFill>
-              <a:latin typeface="-apple-system"/>
-            </a:endParaRPr>
-          </a:p>
-          <a:p>
-            <a:pPr algn="l"/>
-            <a:r>
-              <a:rPr lang="en-US" altLang="zh-TW" dirty="0">
-                <a:solidFill>
-                  <a:srgbClr val="333333"/>
-                </a:solidFill>
-                <a:latin typeface="-apple-system"/>
-              </a:rPr>
-              <a:t>O</a:t>
-            </a:r>
-            <a:r>
-              <a:rPr lang="en-US" altLang="zh-TW" b="0" i="0" dirty="0">
-                <a:solidFill>
-                  <a:srgbClr val="333333"/>
-                </a:solidFill>
-                <a:effectLst/>
-                <a:latin typeface="-apple-system"/>
-              </a:rPr>
-              <a:t>n-chip:</a:t>
-            </a:r>
-          </a:p>
-          <a:p>
-            <a:pPr marL="914400" lvl="1" indent="-457200">
-              <a:buFont typeface="+mj-lt"/>
-              <a:buAutoNum type="arabicPeriod"/>
-            </a:pPr>
-            <a:r>
-              <a:rPr lang="en-US" altLang="zh-TW" b="0" i="0" dirty="0">
-                <a:solidFill>
-                  <a:srgbClr val="333333"/>
-                </a:solidFill>
-                <a:effectLst/>
-                <a:latin typeface="-apple-system"/>
-              </a:rPr>
-              <a:t>internal sensor</a:t>
-            </a:r>
-          </a:p>
-          <a:p>
-            <a:pPr marL="914400" lvl="1" indent="-457200">
-              <a:buFont typeface="+mj-lt"/>
-              <a:buAutoNum type="arabicPeriod"/>
-            </a:pPr>
-            <a:r>
-              <a:rPr lang="en-US" altLang="zh-TW" b="0" i="0" dirty="0">
-                <a:solidFill>
-                  <a:srgbClr val="333333"/>
-                </a:solidFill>
-                <a:effectLst/>
-                <a:latin typeface="-apple-system"/>
-              </a:rPr>
-              <a:t>ring oscillator</a:t>
-            </a:r>
-          </a:p>
-          <a:p>
-            <a:pPr marL="457200" lvl="1" indent="0">
-              <a:buNone/>
-            </a:pPr>
-            <a:br>
-              <a:rPr lang="en-US" altLang="zh-TW" b="0" i="0" dirty="0">
-                <a:solidFill>
-                  <a:srgbClr val="333333"/>
-                </a:solidFill>
-                <a:effectLst/>
-                <a:latin typeface="-apple-system"/>
-              </a:rPr>
-            </a:br>
-            <a:r>
-              <a:rPr lang="en-US" altLang="zh-TW" dirty="0">
-                <a:solidFill>
-                  <a:srgbClr val="333333"/>
-                </a:solidFill>
-                <a:latin typeface="-apple-system"/>
-              </a:rPr>
-              <a:t>	</a:t>
-            </a:r>
-            <a:endParaRPr lang="zh-TW" altLang="en-US" dirty="0"/>
-          </a:p>
-        </p:txBody>
-      </p:sp>
-    </p:spTree>
-    <p:extLst>
-      <p:ext uri="{BB962C8B-B14F-4D97-AF65-F5344CB8AC3E}">
-        <p14:creationId xmlns:p14="http://schemas.microsoft.com/office/powerpoint/2010/main" val="2722466547"/>
-      </p:ext>
-    </p:extLst>
-  </p:cSld>
-  <p:clrMapOvr>
-    <a:masterClrMapping/>
-  </p:clrMapOvr>
-</p:sld>
-</file>
-
 <file path=ppt/slides/slide9.xml><?xml version="1.0" encoding="utf-8"?>
 <p:sld xmlns:a="http://schemas.openxmlformats.org/drawingml/2006/main" xmlns:r="http://schemas.openxmlformats.org/officeDocument/2006/relationships" xmlns:p="http://schemas.openxmlformats.org/presentationml/2006/main">
   <p:cSld>
@@ -5599,7 +5867,7 @@
           <p:cNvPr id="2" name="標題 1">
             <a:extLst>
               <a:ext uri="{FF2B5EF4-FFF2-40B4-BE49-F238E27FC236}">
-                <a16:creationId xmlns:a16="http://schemas.microsoft.com/office/drawing/2014/main" id="{E3AAB54A-65E7-FC98-FA06-73130B08645B}"/>
+                <a16:creationId xmlns:a16="http://schemas.microsoft.com/office/drawing/2014/main" id="{D334CEA4-A6DA-4941-8A35-1FF76D3173DE}"/>
               </a:ext>
             </a:extLst>
           </p:cNvPr>
@@ -5617,45 +5885,141 @@
           <a:p>
             <a:r>
               <a:rPr lang="en-US" altLang="zh-TW" dirty="0"/>
-              <a:t>Implementation</a:t>
+              <a:t>Tamper-Evident Guard Wires</a:t>
             </a:r>
             <a:endParaRPr lang="zh-TW" altLang="en-US" dirty="0"/>
           </a:p>
         </p:txBody>
       </p:sp>
-      <p:pic>
-        <p:nvPicPr>
-          <p:cNvPr id="5" name="內容版面配置區 4">
-            <a:extLst>
-              <a:ext uri="{FF2B5EF4-FFF2-40B4-BE49-F238E27FC236}">
-                <a16:creationId xmlns:a16="http://schemas.microsoft.com/office/drawing/2014/main" id="{6BB26E18-703F-E20C-5B78-7900C3B4B6A0}"/>
-              </a:ext>
-            </a:extLst>
-          </p:cNvPr>
-          <p:cNvPicPr>
-            <a:picLocks noGrp="1" noChangeAspect="1"/>
-          </p:cNvPicPr>
+      <p:sp>
+        <p:nvSpPr>
+          <p:cNvPr id="3" name="內容版面配置區 2">
+            <a:extLst>
+              <a:ext uri="{FF2B5EF4-FFF2-40B4-BE49-F238E27FC236}">
+                <a16:creationId xmlns:a16="http://schemas.microsoft.com/office/drawing/2014/main" id="{26148F1D-7847-6FE9-1ADC-5C3AEB725459}"/>
+              </a:ext>
+            </a:extLst>
+          </p:cNvPr>
+          <p:cNvSpPr>
+            <a:spLocks noGrp="1"/>
+          </p:cNvSpPr>
           <p:nvPr>
             <p:ph idx="1"/>
           </p:nvPr>
-        </p:nvPicPr>
-        <p:blipFill>
-          <a:blip r:embed="rId2"/>
-          <a:stretch>
-            <a:fillRect/>
-          </a:stretch>
-        </p:blipFill>
-        <p:spPr>
-          <a:xfrm>
-            <a:off x="2353192" y="2039974"/>
-            <a:ext cx="7485616" cy="3512087"/>
-          </a:xfrm>
-        </p:spPr>
-      </p:pic>
+        </p:nvSpPr>
+        <p:spPr/>
+        <p:txBody>
+          <a:bodyPr/>
+          <a:lstStyle/>
+          <a:p>
+            <a:pPr marL="514350" indent="-514350">
+              <a:buFont typeface="+mj-lt"/>
+              <a:buAutoNum type="arabicPeriod"/>
+            </a:pPr>
+            <a:r>
+              <a:rPr lang="en-US" altLang="zh-TW" dirty="0"/>
+              <a:t>Naïve Approach: Re-purpose Existing Wires</a:t>
+            </a:r>
+          </a:p>
+          <a:p>
+            <a:pPr marL="514350" indent="-514350">
+              <a:buFont typeface="+mj-lt"/>
+              <a:buAutoNum type="arabicPeriod"/>
+            </a:pPr>
+            <a:endParaRPr lang="en-US" altLang="zh-TW" sz="1400" dirty="0"/>
+          </a:p>
+          <a:p>
+            <a:pPr lvl="1"/>
+            <a:r>
+              <a:rPr lang="en-US" altLang="zh-TW" dirty="0"/>
+              <a:t>Use the existing non-security-critical net to as guard wires</a:t>
+            </a:r>
+          </a:p>
+          <a:p>
+            <a:pPr lvl="1"/>
+            <a:r>
+              <a:rPr lang="en-US" altLang="zh-TW" dirty="0"/>
+              <a:t>This approach create hyper-local routing </a:t>
+            </a:r>
+            <a:r>
+              <a:rPr lang="en-US" altLang="zh-TW" b="1" dirty="0"/>
+              <a:t>density</a:t>
+            </a:r>
+            <a:r>
+              <a:rPr lang="en-US" altLang="zh-TW" dirty="0"/>
+              <a:t> near security-critical nets</a:t>
+            </a:r>
+          </a:p>
+          <a:p>
+            <a:pPr lvl="1"/>
+            <a:r>
+              <a:rPr lang="en-US" altLang="zh-TW" dirty="0"/>
+              <a:t>This way will not incur hardware overhead but hard to implement</a:t>
+            </a:r>
+          </a:p>
+          <a:p>
+            <a:pPr lvl="1"/>
+            <a:endParaRPr lang="en-US" altLang="zh-TW" dirty="0"/>
+          </a:p>
+          <a:p>
+            <a:pPr marL="514350" indent="-514350">
+              <a:buFont typeface="+mj-lt"/>
+              <a:buAutoNum type="arabicPeriod"/>
+            </a:pPr>
+            <a:r>
+              <a:rPr lang="en-US" altLang="zh-TW" dirty="0"/>
+              <a:t>Designed-in Guard Wires</a:t>
+            </a:r>
+          </a:p>
+          <a:p>
+            <a:pPr marL="514350" indent="-514350">
+              <a:buFont typeface="+mj-lt"/>
+              <a:buAutoNum type="arabicPeriod"/>
+            </a:pPr>
+            <a:endParaRPr lang="en-US" altLang="zh-TW" sz="1400" dirty="0"/>
+          </a:p>
+          <a:p>
+            <a:pPr lvl="1"/>
+            <a:r>
+              <a:rPr lang="en-US" altLang="zh-TW" b="0" i="0" dirty="0">
+                <a:solidFill>
+                  <a:srgbClr val="333333"/>
+                </a:solidFill>
+                <a:effectLst/>
+                <a:latin typeface="-apple-system"/>
+              </a:rPr>
+              <a:t>This guard </a:t>
+            </a:r>
+            <a:r>
+              <a:rPr lang="en-US" altLang="zh-TW" dirty="0">
+                <a:solidFill>
+                  <a:srgbClr val="333333"/>
+                </a:solidFill>
+                <a:latin typeface="-apple-system"/>
+              </a:rPr>
+              <a:t>wire</a:t>
+            </a:r>
+            <a:r>
+              <a:rPr lang="en-US" altLang="zh-TW" b="0" i="0" dirty="0">
+                <a:solidFill>
+                  <a:srgbClr val="333333"/>
+                </a:solidFill>
+                <a:effectLst/>
+                <a:latin typeface="-apple-system"/>
+              </a:rPr>
+              <a:t> do not implement any functionality, and will incur hardware overhead</a:t>
+            </a:r>
+          </a:p>
+          <a:p>
+            <a:pPr lvl="1"/>
+            <a:endParaRPr lang="zh-TW" altLang="en-US" dirty="0"/>
+          </a:p>
+        </p:txBody>
+      </p:sp>
     </p:spTree>
     <p:extLst>
       <p:ext uri="{BB962C8B-B14F-4D97-AF65-F5344CB8AC3E}">
-        <p14:creationId xmlns:p14="http://schemas.microsoft.com/office/powerpoint/2010/main" val="2423770389"/>
+        <p14:creationId xmlns:p14="http://schemas.microsoft.com/office/powerpoint/2010/main" val="2424790477"/>
       </p:ext>
     </p:extLst>
   </p:cSld>
